--- a/other/整体架构图.pptx
+++ b/other/整体架构图.pptx
@@ -104,6 +104,11 @@
       </a:defRPr>
     </a:lvl9pPr>
   </p:defaultTextStyle>
+  <p:extLst>
+    <p:ext uri="{EFAFB233-063F-42B5-8137-9DF3F51BA10A}">
+      <p15:sldGuideLst xmlns:p15="http://schemas.microsoft.com/office/powerpoint/2012/main"/>
+    </p:ext>
+  </p:extLst>
 </p:presentation>
 </file>
 
@@ -3254,7 +3259,7 @@
                   <a:schemeClr val="tx1"/>
                 </a:solidFill>
               </a:rPr>
-              <a:t>UI Server</a:t>
+              <a:t>Web UI</a:t>
             </a:r>
             <a:endParaRPr lang="zh-CN" altLang="en-US" dirty="0">
               <a:solidFill>

--- a/other/整体架构图.pptx
+++ b/other/整体架构图.pptx
@@ -243,7 +243,7 @@
           <a:p>
             <a:fld id="{65D7D718-FFCE-4623-9C7F-14F60B0D638B}" type="datetimeFigureOut">
               <a:rPr lang="zh-CN" altLang="en-US" smtClean="0"/>
-              <a:t>2024/1/2</a:t>
+              <a:t>2024/1/6</a:t>
             </a:fld>
             <a:endParaRPr lang="zh-CN" altLang="en-US"/>
           </a:p>
@@ -413,7 +413,7 @@
           <a:p>
             <a:fld id="{65D7D718-FFCE-4623-9C7F-14F60B0D638B}" type="datetimeFigureOut">
               <a:rPr lang="zh-CN" altLang="en-US" smtClean="0"/>
-              <a:t>2024/1/2</a:t>
+              <a:t>2024/1/6</a:t>
             </a:fld>
             <a:endParaRPr lang="zh-CN" altLang="en-US"/>
           </a:p>
@@ -593,7 +593,7 @@
           <a:p>
             <a:fld id="{65D7D718-FFCE-4623-9C7F-14F60B0D638B}" type="datetimeFigureOut">
               <a:rPr lang="zh-CN" altLang="en-US" smtClean="0"/>
-              <a:t>2024/1/2</a:t>
+              <a:t>2024/1/6</a:t>
             </a:fld>
             <a:endParaRPr lang="zh-CN" altLang="en-US"/>
           </a:p>
@@ -763,7 +763,7 @@
           <a:p>
             <a:fld id="{65D7D718-FFCE-4623-9C7F-14F60B0D638B}" type="datetimeFigureOut">
               <a:rPr lang="zh-CN" altLang="en-US" smtClean="0"/>
-              <a:t>2024/1/2</a:t>
+              <a:t>2024/1/6</a:t>
             </a:fld>
             <a:endParaRPr lang="zh-CN" altLang="en-US"/>
           </a:p>
@@ -1009,7 +1009,7 @@
           <a:p>
             <a:fld id="{65D7D718-FFCE-4623-9C7F-14F60B0D638B}" type="datetimeFigureOut">
               <a:rPr lang="zh-CN" altLang="en-US" smtClean="0"/>
-              <a:t>2024/1/2</a:t>
+              <a:t>2024/1/6</a:t>
             </a:fld>
             <a:endParaRPr lang="zh-CN" altLang="en-US"/>
           </a:p>
@@ -1241,7 +1241,7 @@
           <a:p>
             <a:fld id="{65D7D718-FFCE-4623-9C7F-14F60B0D638B}" type="datetimeFigureOut">
               <a:rPr lang="zh-CN" altLang="en-US" smtClean="0"/>
-              <a:t>2024/1/2</a:t>
+              <a:t>2024/1/6</a:t>
             </a:fld>
             <a:endParaRPr lang="zh-CN" altLang="en-US"/>
           </a:p>
@@ -1608,7 +1608,7 @@
           <a:p>
             <a:fld id="{65D7D718-FFCE-4623-9C7F-14F60B0D638B}" type="datetimeFigureOut">
               <a:rPr lang="zh-CN" altLang="en-US" smtClean="0"/>
-              <a:t>2024/1/2</a:t>
+              <a:t>2024/1/6</a:t>
             </a:fld>
             <a:endParaRPr lang="zh-CN" altLang="en-US"/>
           </a:p>
@@ -1726,7 +1726,7 @@
           <a:p>
             <a:fld id="{65D7D718-FFCE-4623-9C7F-14F60B0D638B}" type="datetimeFigureOut">
               <a:rPr lang="zh-CN" altLang="en-US" smtClean="0"/>
-              <a:t>2024/1/2</a:t>
+              <a:t>2024/1/6</a:t>
             </a:fld>
             <a:endParaRPr lang="zh-CN" altLang="en-US"/>
           </a:p>
@@ -1821,7 +1821,7 @@
           <a:p>
             <a:fld id="{65D7D718-FFCE-4623-9C7F-14F60B0D638B}" type="datetimeFigureOut">
               <a:rPr lang="zh-CN" altLang="en-US" smtClean="0"/>
-              <a:t>2024/1/2</a:t>
+              <a:t>2024/1/6</a:t>
             </a:fld>
             <a:endParaRPr lang="zh-CN" altLang="en-US"/>
           </a:p>
@@ -2098,7 +2098,7 @@
           <a:p>
             <a:fld id="{65D7D718-FFCE-4623-9C7F-14F60B0D638B}" type="datetimeFigureOut">
               <a:rPr lang="zh-CN" altLang="en-US" smtClean="0"/>
-              <a:t>2024/1/2</a:t>
+              <a:t>2024/1/6</a:t>
             </a:fld>
             <a:endParaRPr lang="zh-CN" altLang="en-US"/>
           </a:p>
@@ -2355,7 +2355,7 @@
           <a:p>
             <a:fld id="{65D7D718-FFCE-4623-9C7F-14F60B0D638B}" type="datetimeFigureOut">
               <a:rPr lang="zh-CN" altLang="en-US" smtClean="0"/>
-              <a:t>2024/1/2</a:t>
+              <a:t>2024/1/6</a:t>
             </a:fld>
             <a:endParaRPr lang="zh-CN" altLang="en-US"/>
           </a:p>
@@ -2568,7 +2568,7 @@
           <a:p>
             <a:fld id="{65D7D718-FFCE-4623-9C7F-14F60B0D638B}" type="datetimeFigureOut">
               <a:rPr lang="zh-CN" altLang="en-US" smtClean="0"/>
-              <a:t>2024/1/2</a:t>
+              <a:t>2024/1/6</a:t>
             </a:fld>
             <a:endParaRPr lang="zh-CN" altLang="en-US"/>
           </a:p>
@@ -3041,7 +3041,7 @@
         </p:nvSpPr>
         <p:spPr>
           <a:xfrm>
-            <a:off x="9739557" y="4603444"/>
+            <a:off x="15214841" y="6378693"/>
             <a:ext cx="1506416" cy="879231"/>
           </a:xfrm>
           <a:prstGeom prst="rect">
@@ -3278,13 +3278,15 @@
               </a:ext>
             </a:extLst>
           </p:cNvPr>
-          <p:cNvCxnSpPr/>
+          <p:cNvCxnSpPr>
+            <a:cxnSpLocks/>
+          </p:cNvCxnSpPr>
           <p:nvPr/>
         </p:nvCxnSpPr>
         <p:spPr>
-          <a:xfrm flipV="1">
-            <a:off x="10045700" y="5482675"/>
-            <a:ext cx="0" cy="896816"/>
+          <a:xfrm>
+            <a:off x="14258805" y="6971506"/>
+            <a:ext cx="962571" cy="0"/>
           </a:xfrm>
           <a:prstGeom prst="straightConnector1">
             <a:avLst/>
@@ -3326,9 +3328,9 @@
           <p:nvPr/>
         </p:nvCxnSpPr>
         <p:spPr>
-          <a:xfrm>
-            <a:off x="10909300" y="5482675"/>
-            <a:ext cx="0" cy="896814"/>
+          <a:xfrm flipH="1">
+            <a:off x="14258805" y="6634480"/>
+            <a:ext cx="956036" cy="11521"/>
           </a:xfrm>
           <a:prstGeom prst="straightConnector1">
             <a:avLst/>
@@ -3417,94 +3419,6 @@
           <a:xfrm>
             <a:off x="13169900" y="5482675"/>
             <a:ext cx="0" cy="896814"/>
-          </a:xfrm>
-          <a:prstGeom prst="straightConnector1">
-            <a:avLst/>
-          </a:prstGeom>
-          <a:ln w="19050">
-            <a:solidFill>
-              <a:schemeClr val="tx1"/>
-            </a:solidFill>
-            <a:tailEnd type="triangle"/>
-          </a:ln>
-        </p:spPr>
-        <p:style>
-          <a:lnRef idx="1">
-            <a:schemeClr val="accent1"/>
-          </a:lnRef>
-          <a:fillRef idx="0">
-            <a:schemeClr val="accent1"/>
-          </a:fillRef>
-          <a:effectRef idx="0">
-            <a:schemeClr val="accent1"/>
-          </a:effectRef>
-          <a:fontRef idx="minor">
-            <a:schemeClr val="tx1"/>
-          </a:fontRef>
-        </p:style>
-      </p:cxnSp>
-      <p:cxnSp>
-        <p:nvCxnSpPr>
-          <p:cNvPr id="16" name="直接箭头连接符 15">
-            <a:extLst>
-              <a:ext uri="{FF2B5EF4-FFF2-40B4-BE49-F238E27FC236}">
-                <a16:creationId xmlns:a16="http://schemas.microsoft.com/office/drawing/2014/main" id="{E3F685E7-27B4-CE28-53A0-AB7A1BC2EA51}"/>
-              </a:ext>
-            </a:extLst>
-          </p:cNvPr>
-          <p:cNvCxnSpPr>
-            <a:cxnSpLocks/>
-          </p:cNvCxnSpPr>
-          <p:nvPr/>
-        </p:nvCxnSpPr>
-        <p:spPr>
-          <a:xfrm flipH="1" flipV="1">
-            <a:off x="10610850" y="7258720"/>
-            <a:ext cx="838200" cy="914401"/>
-          </a:xfrm>
-          <a:prstGeom prst="straightConnector1">
-            <a:avLst/>
-          </a:prstGeom>
-          <a:ln w="19050">
-            <a:solidFill>
-              <a:schemeClr val="tx1"/>
-            </a:solidFill>
-            <a:tailEnd type="triangle"/>
-          </a:ln>
-        </p:spPr>
-        <p:style>
-          <a:lnRef idx="1">
-            <a:schemeClr val="accent1"/>
-          </a:lnRef>
-          <a:fillRef idx="0">
-            <a:schemeClr val="accent1"/>
-          </a:fillRef>
-          <a:effectRef idx="0">
-            <a:schemeClr val="accent1"/>
-          </a:effectRef>
-          <a:fontRef idx="minor">
-            <a:schemeClr val="tx1"/>
-          </a:fontRef>
-        </p:style>
-      </p:cxnSp>
-      <p:cxnSp>
-        <p:nvCxnSpPr>
-          <p:cNvPr id="17" name="直接箭头连接符 16">
-            <a:extLst>
-              <a:ext uri="{FF2B5EF4-FFF2-40B4-BE49-F238E27FC236}">
-                <a16:creationId xmlns:a16="http://schemas.microsoft.com/office/drawing/2014/main" id="{C84A0806-DA88-A590-4054-B6734825A8B5}"/>
-              </a:ext>
-            </a:extLst>
-          </p:cNvPr>
-          <p:cNvCxnSpPr>
-            <a:cxnSpLocks/>
-          </p:cNvCxnSpPr>
-          <p:nvPr/>
-        </p:nvCxnSpPr>
-        <p:spPr>
-          <a:xfrm>
-            <a:off x="10909300" y="7258721"/>
-            <a:ext cx="863600" cy="914401"/>
           </a:xfrm>
           <a:prstGeom prst="straightConnector1">
             <a:avLst/>
@@ -3679,7 +3593,7 @@
         </p:nvSpPr>
         <p:spPr>
           <a:xfrm>
-            <a:off x="14373105" y="6599942"/>
+            <a:off x="11820255" y="5927653"/>
             <a:ext cx="1311578" cy="600164"/>
           </a:xfrm>
           <a:prstGeom prst="rect">
@@ -4167,7 +4081,7 @@
         </p:nvSpPr>
         <p:spPr>
           <a:xfrm>
-            <a:off x="9596280" y="4081338"/>
+            <a:off x="15071564" y="5856587"/>
             <a:ext cx="2908168" cy="430887"/>
           </a:xfrm>
           <a:prstGeom prst="rect">
@@ -4225,7 +4139,7 @@
         </p:nvSpPr>
         <p:spPr>
           <a:xfrm>
-            <a:off x="9840424" y="4955625"/>
+            <a:off x="15315708" y="6730874"/>
             <a:ext cx="538041" cy="419395"/>
           </a:xfrm>
           <a:prstGeom prst="rect">
@@ -4284,7 +4198,7 @@
         </p:nvSpPr>
         <p:spPr>
           <a:xfrm>
-            <a:off x="10613600" y="4955624"/>
+            <a:off x="16088884" y="6730873"/>
             <a:ext cx="538041" cy="419395"/>
           </a:xfrm>
           <a:prstGeom prst="rect">
@@ -4368,6 +4282,50 @@
           </a:p>
         </p:txBody>
       </p:sp>
+      <p:cxnSp>
+        <p:nvCxnSpPr>
+          <p:cNvPr id="2" name="直接箭头连接符 34">
+            <a:extLst>
+              <a:ext uri="{FF2B5EF4-FFF2-40B4-BE49-F238E27FC236}">
+                <a16:creationId xmlns:a16="http://schemas.microsoft.com/office/drawing/2014/main" id="{9E8F3FCA-C677-B32F-47EF-BF0B68A538B6}"/>
+              </a:ext>
+            </a:extLst>
+          </p:cNvPr>
+          <p:cNvCxnSpPr>
+            <a:cxnSpLocks/>
+          </p:cNvCxnSpPr>
+          <p:nvPr/>
+        </p:nvCxnSpPr>
+        <p:spPr>
+          <a:xfrm flipH="1">
+            <a:off x="11131673" y="6971506"/>
+            <a:ext cx="1620716" cy="0"/>
+          </a:xfrm>
+          <a:prstGeom prst="straightConnector1">
+            <a:avLst/>
+          </a:prstGeom>
+          <a:ln w="19050">
+            <a:solidFill>
+              <a:schemeClr val="tx1"/>
+            </a:solidFill>
+            <a:tailEnd type="triangle"/>
+          </a:ln>
+        </p:spPr>
+        <p:style>
+          <a:lnRef idx="1">
+            <a:schemeClr val="accent1"/>
+          </a:lnRef>
+          <a:fillRef idx="0">
+            <a:schemeClr val="accent1"/>
+          </a:fillRef>
+          <a:effectRef idx="0">
+            <a:schemeClr val="accent1"/>
+          </a:effectRef>
+          <a:fontRef idx="minor">
+            <a:schemeClr val="tx1"/>
+          </a:fontRef>
+        </p:style>
+      </p:cxnSp>
     </p:spTree>
     <p:extLst>
       <p:ext uri="{BB962C8B-B14F-4D97-AF65-F5344CB8AC3E}">
